--- a/Presentation for project 2.pptx
+++ b/Presentation for project 2.pptx
@@ -6,9 +6,10 @@
   </p:sldMasterIdLst>
   <p:sldIdLst>
     <p:sldId id="256" r:id="rId2"/>
-    <p:sldId id="257" r:id="rId3"/>
-    <p:sldId id="258" r:id="rId4"/>
-    <p:sldId id="259" r:id="rId5"/>
+    <p:sldId id="260" r:id="rId3"/>
+    <p:sldId id="257" r:id="rId4"/>
+    <p:sldId id="258" r:id="rId5"/>
+    <p:sldId id="259" r:id="rId6"/>
   </p:sldIdLst>
   <p:sldSz cx="12192000" cy="6858000"/>
   <p:notesSz cx="6858000" cy="9144000"/>
@@ -107,6 +108,11 @@
       </a:defRPr>
     </a:lvl9pPr>
   </p:defaultTextStyle>
+  <p:extLst>
+    <p:ext uri="{EFAFB233-063F-42B5-8137-9DF3F51BA10A}">
+      <p15:sldGuideLst xmlns:p15="http://schemas.microsoft.com/office/powerpoint/2012/main"/>
+    </p:ext>
+  </p:extLst>
 </p:presentation>
 </file>
 
@@ -249,7 +255,7 @@
           <a:p>
             <a:fld id="{48A87A34-81AB-432B-8DAE-1953F412C126}" type="datetimeFigureOut">
               <a:rPr lang="en-US" dirty="0"/>
-              <a:t>5/22/18</a:t>
+              <a:t>5/30/18</a:t>
             </a:fld>
             <a:endParaRPr lang="en-US" dirty="0"/>
           </a:p>
@@ -455,7 +461,7 @@
           <a:p>
             <a:fld id="{48A87A34-81AB-432B-8DAE-1953F412C126}" type="datetimeFigureOut">
               <a:rPr lang="en-US" dirty="0"/>
-              <a:t>5/22/18</a:t>
+              <a:t>5/30/18</a:t>
             </a:fld>
             <a:endParaRPr lang="en-US" dirty="0"/>
           </a:p>
@@ -665,7 +671,7 @@
           <a:p>
             <a:fld id="{48A87A34-81AB-432B-8DAE-1953F412C126}" type="datetimeFigureOut">
               <a:rPr lang="en-US" dirty="0"/>
-              <a:t>5/22/18</a:t>
+              <a:t>5/30/18</a:t>
             </a:fld>
             <a:endParaRPr lang="en-US" dirty="0"/>
           </a:p>
@@ -861,7 +867,7 @@
           <a:p>
             <a:fld id="{48A87A34-81AB-432B-8DAE-1953F412C126}" type="datetimeFigureOut">
               <a:rPr lang="en-US" dirty="0"/>
-              <a:t>5/22/18</a:t>
+              <a:t>5/30/18</a:t>
             </a:fld>
             <a:endParaRPr lang="en-US" dirty="0"/>
           </a:p>
@@ -1135,7 +1141,7 @@
           <a:p>
             <a:fld id="{48A87A34-81AB-432B-8DAE-1953F412C126}" type="datetimeFigureOut">
               <a:rPr lang="en-US" dirty="0"/>
-              <a:t>5/22/18</a:t>
+              <a:t>5/30/18</a:t>
             </a:fld>
             <a:endParaRPr lang="en-US" dirty="0"/>
           </a:p>
@@ -1398,7 +1404,7 @@
           <a:p>
             <a:fld id="{48A87A34-81AB-432B-8DAE-1953F412C126}" type="datetimeFigureOut">
               <a:rPr lang="en-US" dirty="0"/>
-              <a:t>5/22/18</a:t>
+              <a:t>5/30/18</a:t>
             </a:fld>
             <a:endParaRPr lang="en-US" dirty="0"/>
           </a:p>
@@ -1809,7 +1815,7 @@
           <a:p>
             <a:fld id="{48A87A34-81AB-432B-8DAE-1953F412C126}" type="datetimeFigureOut">
               <a:rPr lang="en-US" dirty="0"/>
-              <a:t>5/22/18</a:t>
+              <a:t>5/30/18</a:t>
             </a:fld>
             <a:endParaRPr lang="en-US" dirty="0"/>
           </a:p>
@@ -1953,7 +1959,7 @@
           <a:p>
             <a:fld id="{48A87A34-81AB-432B-8DAE-1953F412C126}" type="datetimeFigureOut">
               <a:rPr lang="en-US" dirty="0"/>
-              <a:t>5/22/18</a:t>
+              <a:t>5/30/18</a:t>
             </a:fld>
             <a:endParaRPr lang="en-US" dirty="0"/>
           </a:p>
@@ -2074,7 +2080,7 @@
           <a:p>
             <a:fld id="{48A87A34-81AB-432B-8DAE-1953F412C126}" type="datetimeFigureOut">
               <a:rPr lang="en-US" dirty="0"/>
-              <a:t>5/22/18</a:t>
+              <a:t>5/30/18</a:t>
             </a:fld>
             <a:endParaRPr lang="en-US" dirty="0"/>
           </a:p>
@@ -2320,7 +2326,7 @@
           <a:p>
             <a:fld id="{48A87A34-81AB-432B-8DAE-1953F412C126}" type="datetimeFigureOut">
               <a:rPr lang="en-US" dirty="0"/>
-              <a:t>5/22/18</a:t>
+              <a:t>5/30/18</a:t>
             </a:fld>
             <a:endParaRPr lang="en-US" dirty="0"/>
           </a:p>
@@ -2761,7 +2767,7 @@
             <a:fld id="{48A87A34-81AB-432B-8DAE-1953F412C126}" type="datetimeFigureOut">
               <a:rPr lang="en-US" dirty="0"/>
               <a:pPr/>
-              <a:t>5/22/18</a:t>
+              <a:t>5/30/18</a:t>
             </a:fld>
             <a:endParaRPr lang="en-US" dirty="0"/>
           </a:p>
@@ -3083,7 +3089,7 @@
             <a:fld id="{48A87A34-81AB-432B-8DAE-1953F412C126}" type="datetimeFigureOut">
               <a:rPr lang="en-US" dirty="0"/>
               <a:pPr/>
-              <a:t>5/22/18</a:t>
+              <a:t>5/30/18</a:t>
             </a:fld>
             <a:endParaRPr lang="en-US" dirty="0"/>
           </a:p>
@@ -3684,7 +3690,7 @@
           <p:cNvPr id="2" name="Title 1">
             <a:extLst>
               <a:ext uri="{FF2B5EF4-FFF2-40B4-BE49-F238E27FC236}">
-                <a16:creationId xmlns:a16="http://schemas.microsoft.com/office/drawing/2014/main" id="{B059F9D4-0F7E-4942-BEE6-A75CF678742B}"/>
+                <a16:creationId xmlns:a16="http://schemas.microsoft.com/office/drawing/2014/main" id="{ED33452B-C836-6B42-B259-6854BE72D335}"/>
               </a:ext>
             </a:extLst>
           </p:cNvPr>
@@ -3702,7 +3708,7 @@
           <a:p>
             <a:r>
               <a:rPr lang="en-US" dirty="0"/>
-              <a:t>Getting data</a:t>
+              <a:t>Objective of the project</a:t>
             </a:r>
           </a:p>
         </p:txBody>
@@ -3712,7 +3718,7 @@
           <p:cNvPr id="3" name="Content Placeholder 2">
             <a:extLst>
               <a:ext uri="{FF2B5EF4-FFF2-40B4-BE49-F238E27FC236}">
-                <a16:creationId xmlns:a16="http://schemas.microsoft.com/office/drawing/2014/main" id="{B225A4D1-A03A-9648-93B3-242DED2C3DC9}"/>
+                <a16:creationId xmlns:a16="http://schemas.microsoft.com/office/drawing/2014/main" id="{FF5CE225-B1AE-ED40-85F7-033D0375A9D3}"/>
               </a:ext>
             </a:extLst>
           </p:cNvPr>
@@ -3730,34 +3736,19 @@
           <a:p>
             <a:r>
               <a:rPr lang="en-US" dirty="0"/>
-              <a:t>APIs:</a:t>
-            </a:r>
-          </a:p>
-          <a:p>
-            <a:pPr lvl="1"/>
-            <a:r>
-              <a:rPr lang="en-US" dirty="0" err="1"/>
-              <a:t>GreatSchools.org</a:t>
-            </a:r>
-            <a:endParaRPr lang="en-US" dirty="0"/>
-          </a:p>
-          <a:p>
-            <a:pPr lvl="1"/>
-            <a:r>
-              <a:rPr lang="en-US" dirty="0"/>
-              <a:t>US Census </a:t>
-            </a:r>
-          </a:p>
-          <a:p>
-            <a:pPr lvl="1"/>
-            <a:endParaRPr lang="en-US" dirty="0"/>
+              <a:t>To </a:t>
+            </a:r>
+            <a:r>
+              <a:rPr lang="en-US"/>
+              <a:t>provide tool to </a:t>
+            </a:r>
           </a:p>
         </p:txBody>
       </p:sp>
     </p:spTree>
     <p:extLst>
       <p:ext uri="{BB962C8B-B14F-4D97-AF65-F5344CB8AC3E}">
-        <p14:creationId xmlns:p14="http://schemas.microsoft.com/office/powerpoint/2010/main" val="3122660239"/>
+        <p14:creationId xmlns:p14="http://schemas.microsoft.com/office/powerpoint/2010/main" val="3181247672"/>
       </p:ext>
     </p:extLst>
   </p:cSld>
@@ -3789,6 +3780,111 @@
           <p:cNvPr id="2" name="Title 1">
             <a:extLst>
               <a:ext uri="{FF2B5EF4-FFF2-40B4-BE49-F238E27FC236}">
+                <a16:creationId xmlns:a16="http://schemas.microsoft.com/office/drawing/2014/main" id="{B059F9D4-0F7E-4942-BEE6-A75CF678742B}"/>
+              </a:ext>
+            </a:extLst>
+          </p:cNvPr>
+          <p:cNvSpPr>
+            <a:spLocks noGrp="1"/>
+          </p:cNvSpPr>
+          <p:nvPr>
+            <p:ph type="title"/>
+          </p:nvPr>
+        </p:nvSpPr>
+        <p:spPr/>
+        <p:txBody>
+          <a:bodyPr/>
+          <a:lstStyle/>
+          <a:p>
+            <a:r>
+              <a:rPr lang="en-US" dirty="0"/>
+              <a:t>Getting data</a:t>
+            </a:r>
+          </a:p>
+        </p:txBody>
+      </p:sp>
+      <p:sp>
+        <p:nvSpPr>
+          <p:cNvPr id="3" name="Content Placeholder 2">
+            <a:extLst>
+              <a:ext uri="{FF2B5EF4-FFF2-40B4-BE49-F238E27FC236}">
+                <a16:creationId xmlns:a16="http://schemas.microsoft.com/office/drawing/2014/main" id="{B225A4D1-A03A-9648-93B3-242DED2C3DC9}"/>
+              </a:ext>
+            </a:extLst>
+          </p:cNvPr>
+          <p:cNvSpPr>
+            <a:spLocks noGrp="1"/>
+          </p:cNvSpPr>
+          <p:nvPr>
+            <p:ph idx="1"/>
+          </p:nvPr>
+        </p:nvSpPr>
+        <p:spPr/>
+        <p:txBody>
+          <a:bodyPr/>
+          <a:lstStyle/>
+          <a:p>
+            <a:r>
+              <a:rPr lang="en-US" dirty="0"/>
+              <a:t>APIs:</a:t>
+            </a:r>
+          </a:p>
+          <a:p>
+            <a:pPr lvl="1"/>
+            <a:r>
+              <a:rPr lang="en-US" dirty="0" err="1"/>
+              <a:t>GreatSchools.org</a:t>
+            </a:r>
+            <a:endParaRPr lang="en-US" dirty="0"/>
+          </a:p>
+          <a:p>
+            <a:pPr lvl="1"/>
+            <a:r>
+              <a:rPr lang="en-US" dirty="0"/>
+              <a:t>US Census </a:t>
+            </a:r>
+          </a:p>
+          <a:p>
+            <a:pPr lvl="1"/>
+            <a:endParaRPr lang="en-US" dirty="0"/>
+          </a:p>
+        </p:txBody>
+      </p:sp>
+    </p:spTree>
+    <p:extLst>
+      <p:ext uri="{BB962C8B-B14F-4D97-AF65-F5344CB8AC3E}">
+        <p14:creationId xmlns:p14="http://schemas.microsoft.com/office/powerpoint/2010/main" val="3122660239"/>
+      </p:ext>
+    </p:extLst>
+  </p:cSld>
+  <p:clrMapOvr>
+    <a:masterClrMapping/>
+  </p:clrMapOvr>
+</p:sld>
+</file>
+
+<file path=ppt/slides/slide4.xml><?xml version="1.0" encoding="utf-8"?>
+<p:sld xmlns:a="http://schemas.openxmlformats.org/drawingml/2006/main" xmlns:r="http://schemas.openxmlformats.org/officeDocument/2006/relationships" xmlns:p="http://schemas.openxmlformats.org/presentationml/2006/main">
+  <p:cSld>
+    <p:spTree>
+      <p:nvGrpSpPr>
+        <p:cNvPr id="1" name=""/>
+        <p:cNvGrpSpPr/>
+        <p:nvPr/>
+      </p:nvGrpSpPr>
+      <p:grpSpPr>
+        <a:xfrm>
+          <a:off x="0" y="0"/>
+          <a:ext cx="0" cy="0"/>
+          <a:chOff x="0" y="0"/>
+          <a:chExt cx="0" cy="0"/>
+        </a:xfrm>
+      </p:grpSpPr>
+      <p:sp>
+        <p:nvSpPr>
+          <p:cNvPr id="2" name="Title 1">
+            <a:extLst>
+              <a:ext uri="{FF2B5EF4-FFF2-40B4-BE49-F238E27FC236}">
                 <a16:creationId xmlns:a16="http://schemas.microsoft.com/office/drawing/2014/main" id="{439CDC89-F569-E84A-A4B9-59A27F434BD1}"/>
               </a:ext>
             </a:extLst>
@@ -3890,7 +3986,7 @@
 </p:sld>
 </file>
 
-<file path=ppt/slides/slide4.xml><?xml version="1.0" encoding="utf-8"?>
+<file path=ppt/slides/slide5.xml><?xml version="1.0" encoding="utf-8"?>
 <p:sld xmlns:a="http://schemas.openxmlformats.org/drawingml/2006/main" xmlns:r="http://schemas.openxmlformats.org/officeDocument/2006/relationships" xmlns:p="http://schemas.openxmlformats.org/presentationml/2006/main">
   <p:cSld>
     <p:spTree>

--- a/Presentation for project 2.pptx
+++ b/Presentation for project 2.pptx
@@ -3735,13 +3735,12 @@
           <a:lstStyle/>
           <a:p>
             <a:r>
-              <a:rPr lang="en-US" dirty="0"/>
-              <a:t>To </a:t>
-            </a:r>
-            <a:r>
-              <a:rPr lang="en-US"/>
-              <a:t>provide tool to </a:t>
-            </a:r>
+              <a:rPr lang="en-US" sz="3200" dirty="0"/>
+              <a:t>Help in locating the best place live in the Golden State based on income and available schools</a:t>
+            </a:r>
+          </a:p>
+          <a:p>
+            <a:endParaRPr lang="en-US" dirty="0"/>
           </a:p>
         </p:txBody>
       </p:sp>
@@ -3798,7 +3797,7 @@
           <a:p>
             <a:r>
               <a:rPr lang="en-US" dirty="0"/>
-              <a:t>Getting data</a:t>
+              <a:t>Getting data for the project</a:t>
             </a:r>
           </a:p>
         </p:txBody>
@@ -3845,7 +3844,14 @@
             </a:r>
           </a:p>
           <a:p>
-            <a:pPr lvl="1"/>
+            <a:r>
+              <a:rPr lang="en-US" dirty="0"/>
+              <a:t>American </a:t>
+            </a:r>
+            <a:r>
+              <a:rPr lang="en-US" dirty="0" err="1"/>
+              <a:t>FactFinder</a:t>
+            </a:r>
             <a:endParaRPr lang="en-US" dirty="0"/>
           </a:p>
         </p:txBody>
@@ -3926,7 +3932,9 @@
         </p:nvSpPr>
         <p:spPr/>
         <p:txBody>
-          <a:bodyPr/>
+          <a:bodyPr>
+            <a:normAutofit fontScale="92500" lnSpcReduction="20000"/>
+          </a:bodyPr>
           <a:lstStyle/>
           <a:p>
             <a:r>
@@ -3943,6 +3951,18 @@
             </a:r>
           </a:p>
           <a:p>
+            <a:endParaRPr lang="en-US" dirty="0"/>
+          </a:p>
+          <a:p>
+            <a:endParaRPr lang="en-US" dirty="0"/>
+          </a:p>
+          <a:p>
+            <a:endParaRPr lang="en-US" dirty="0"/>
+          </a:p>
+          <a:p>
+            <a:endParaRPr lang="en-US" dirty="0"/>
+          </a:p>
+          <a:p>
             <a:r>
               <a:rPr lang="en-US" dirty="0"/>
               <a:t>Use MongoDB to process the school data</a:t>
@@ -3965,14 +3985,44 @@
             </a:r>
             <a:r>
               <a:rPr lang="en-US" dirty="0"/>
-              <a:t> database to run certain apps</a:t>
-            </a:r>
-          </a:p>
-          <a:p>
-            <a:endParaRPr lang="en-US" dirty="0"/>
-          </a:p>
-        </p:txBody>
-      </p:sp>
+              <a:t> database to run python apps</a:t>
+            </a:r>
+          </a:p>
+          <a:p>
+            <a:endParaRPr lang="en-US" dirty="0"/>
+          </a:p>
+        </p:txBody>
+      </p:sp>
+      <p:pic>
+        <p:nvPicPr>
+          <p:cNvPr id="5" name="Picture 4">
+            <a:extLst>
+              <a:ext uri="{FF2B5EF4-FFF2-40B4-BE49-F238E27FC236}">
+                <a16:creationId xmlns:a16="http://schemas.microsoft.com/office/drawing/2014/main" id="{1018409A-81B7-E84D-B337-172CD7A9F5C9}"/>
+              </a:ext>
+            </a:extLst>
+          </p:cNvPr>
+          <p:cNvPicPr>
+            <a:picLocks noChangeAspect="1"/>
+          </p:cNvPicPr>
+          <p:nvPr/>
+        </p:nvPicPr>
+        <p:blipFill>
+          <a:blip r:embed="rId2"/>
+          <a:stretch>
+            <a:fillRect/>
+          </a:stretch>
+        </p:blipFill>
+        <p:spPr>
+          <a:xfrm>
+            <a:off x="1665908" y="2370590"/>
+            <a:ext cx="4151796" cy="1755158"/>
+          </a:xfrm>
+          <a:prstGeom prst="rect">
+            <a:avLst/>
+          </a:prstGeom>
+        </p:spPr>
+      </p:pic>
     </p:spTree>
     <p:extLst>
       <p:ext uri="{BB962C8B-B14F-4D97-AF65-F5344CB8AC3E}">

--- a/Presentation for project 2.pptx
+++ b/Presentation for project 2.pptx
@@ -2,14 +2,15 @@
 <file path=ppt/presentation.xml><?xml version="1.0" encoding="utf-8"?>
 <p:presentation xmlns:a="http://schemas.openxmlformats.org/drawingml/2006/main" xmlns:r="http://schemas.openxmlformats.org/officeDocument/2006/relationships" xmlns:p="http://schemas.openxmlformats.org/presentationml/2006/main" autoCompressPictures="0">
   <p:sldMasterIdLst>
-    <p:sldMasterId id="2147483648" r:id="rId1"/>
+    <p:sldMasterId id="2147483648" r:id="rId3"/>
   </p:sldMasterIdLst>
   <p:sldIdLst>
-    <p:sldId id="256" r:id="rId2"/>
-    <p:sldId id="260" r:id="rId3"/>
-    <p:sldId id="257" r:id="rId4"/>
-    <p:sldId id="258" r:id="rId5"/>
-    <p:sldId id="259" r:id="rId6"/>
+    <p:sldId id="256" r:id="rId4"/>
+    <p:sldId id="260" r:id="rId5"/>
+    <p:sldId id="257" r:id="rId6"/>
+    <p:sldId id="258" r:id="rId7"/>
+    <p:sldId id="261" r:id="rId8"/>
+    <p:sldId id="259" r:id="rId9"/>
   </p:sldIdLst>
   <p:sldSz cx="12192000" cy="6858000"/>
   <p:notesSz cx="6858000" cy="9144000"/>
@@ -110,7 +111,7 @@
   </p:defaultTextStyle>
   <p:extLst>
     <p:ext uri="{EFAFB233-063F-42B5-8137-9DF3F51BA10A}">
-      <p15:sldGuideLst xmlns:p15="http://schemas.microsoft.com/office/powerpoint/2012/main"/>
+      <p15:sldGuideLst xmlns:p15="http://schemas.microsoft.com/office/powerpoint/2012/main" xmlns=""/>
     </p:ext>
   </p:extLst>
 </p:presentation>
@@ -255,7 +256,7 @@
           <a:p>
             <a:fld id="{48A87A34-81AB-432B-8DAE-1953F412C126}" type="datetimeFigureOut">
               <a:rPr lang="en-US" dirty="0"/>
-              <a:t>5/30/18</a:t>
+              <a:t>5/31/2018</a:t>
             </a:fld>
             <a:endParaRPr lang="en-US" dirty="0"/>
           </a:p>
@@ -461,7 +462,7 @@
           <a:p>
             <a:fld id="{48A87A34-81AB-432B-8DAE-1953F412C126}" type="datetimeFigureOut">
               <a:rPr lang="en-US" dirty="0"/>
-              <a:t>5/30/18</a:t>
+              <a:t>5/31/2018</a:t>
             </a:fld>
             <a:endParaRPr lang="en-US" dirty="0"/>
           </a:p>
@@ -671,7 +672,7 @@
           <a:p>
             <a:fld id="{48A87A34-81AB-432B-8DAE-1953F412C126}" type="datetimeFigureOut">
               <a:rPr lang="en-US" dirty="0"/>
-              <a:t>5/30/18</a:t>
+              <a:t>5/31/2018</a:t>
             </a:fld>
             <a:endParaRPr lang="en-US" dirty="0"/>
           </a:p>
@@ -867,7 +868,7 @@
           <a:p>
             <a:fld id="{48A87A34-81AB-432B-8DAE-1953F412C126}" type="datetimeFigureOut">
               <a:rPr lang="en-US" dirty="0"/>
-              <a:t>5/30/18</a:t>
+              <a:t>5/31/2018</a:t>
             </a:fld>
             <a:endParaRPr lang="en-US" dirty="0"/>
           </a:p>
@@ -1141,7 +1142,7 @@
           <a:p>
             <a:fld id="{48A87A34-81AB-432B-8DAE-1953F412C126}" type="datetimeFigureOut">
               <a:rPr lang="en-US" dirty="0"/>
-              <a:t>5/30/18</a:t>
+              <a:t>5/31/2018</a:t>
             </a:fld>
             <a:endParaRPr lang="en-US" dirty="0"/>
           </a:p>
@@ -1404,7 +1405,7 @@
           <a:p>
             <a:fld id="{48A87A34-81AB-432B-8DAE-1953F412C126}" type="datetimeFigureOut">
               <a:rPr lang="en-US" dirty="0"/>
-              <a:t>5/30/18</a:t>
+              <a:t>5/31/2018</a:t>
             </a:fld>
             <a:endParaRPr lang="en-US" dirty="0"/>
           </a:p>
@@ -1815,7 +1816,7 @@
           <a:p>
             <a:fld id="{48A87A34-81AB-432B-8DAE-1953F412C126}" type="datetimeFigureOut">
               <a:rPr lang="en-US" dirty="0"/>
-              <a:t>5/30/18</a:t>
+              <a:t>5/31/2018</a:t>
             </a:fld>
             <a:endParaRPr lang="en-US" dirty="0"/>
           </a:p>
@@ -1959,7 +1960,7 @@
           <a:p>
             <a:fld id="{48A87A34-81AB-432B-8DAE-1953F412C126}" type="datetimeFigureOut">
               <a:rPr lang="en-US" dirty="0"/>
-              <a:t>5/30/18</a:t>
+              <a:t>5/31/2018</a:t>
             </a:fld>
             <a:endParaRPr lang="en-US" dirty="0"/>
           </a:p>
@@ -2080,7 +2081,7 @@
           <a:p>
             <a:fld id="{48A87A34-81AB-432B-8DAE-1953F412C126}" type="datetimeFigureOut">
               <a:rPr lang="en-US" dirty="0"/>
-              <a:t>5/30/18</a:t>
+              <a:t>5/31/2018</a:t>
             </a:fld>
             <a:endParaRPr lang="en-US" dirty="0"/>
           </a:p>
@@ -2326,7 +2327,7 @@
           <a:p>
             <a:fld id="{48A87A34-81AB-432B-8DAE-1953F412C126}" type="datetimeFigureOut">
               <a:rPr lang="en-US" dirty="0"/>
-              <a:t>5/30/18</a:t>
+              <a:t>5/31/2018</a:t>
             </a:fld>
             <a:endParaRPr lang="en-US" dirty="0"/>
           </a:p>
@@ -2767,7 +2768,7 @@
             <a:fld id="{48A87A34-81AB-432B-8DAE-1953F412C126}" type="datetimeFigureOut">
               <a:rPr lang="en-US" dirty="0"/>
               <a:pPr/>
-              <a:t>5/30/18</a:t>
+              <a:t>5/31/2018</a:t>
             </a:fld>
             <a:endParaRPr lang="en-US" dirty="0"/>
           </a:p>
@@ -3089,7 +3090,7 @@
             <a:fld id="{48A87A34-81AB-432B-8DAE-1953F412C126}" type="datetimeFigureOut">
               <a:rPr lang="en-US" dirty="0"/>
               <a:pPr/>
-              <a:t>5/30/18</a:t>
+              <a:t>5/31/2018</a:t>
             </a:fld>
             <a:endParaRPr lang="en-US" dirty="0"/>
           </a:p>
@@ -3576,7 +3577,7 @@
           <p:cNvPr id="2" name="Title 1">
             <a:extLst>
               <a:ext uri="{FF2B5EF4-FFF2-40B4-BE49-F238E27FC236}">
-                <a16:creationId xmlns:a16="http://schemas.microsoft.com/office/drawing/2014/main" id="{C0C9E47C-DA85-7547-90F3-45BF954BBA34}"/>
+                <a16:creationId xmlns:a16="http://schemas.microsoft.com/office/drawing/2014/main" xmlns="" id="{C0C9E47C-DA85-7547-90F3-45BF954BBA34}"/>
               </a:ext>
             </a:extLst>
           </p:cNvPr>
@@ -3605,7 +3606,7 @@
           <p:cNvPr id="3" name="Subtitle 2">
             <a:extLst>
               <a:ext uri="{FF2B5EF4-FFF2-40B4-BE49-F238E27FC236}">
-                <a16:creationId xmlns:a16="http://schemas.microsoft.com/office/drawing/2014/main" id="{1C1B8D06-612F-3B49-8509-511B12CD0034}"/>
+                <a16:creationId xmlns:a16="http://schemas.microsoft.com/office/drawing/2014/main" xmlns="" id="{1C1B8D06-612F-3B49-8509-511B12CD0034}"/>
               </a:ext>
             </a:extLst>
           </p:cNvPr>
@@ -3630,7 +3631,7 @@
           <p:cNvPr id="4" name="Picture 3">
             <a:extLst>
               <a:ext uri="{FF2B5EF4-FFF2-40B4-BE49-F238E27FC236}">
-                <a16:creationId xmlns:a16="http://schemas.microsoft.com/office/drawing/2014/main" id="{F3AA2E1E-E7A2-7C44-8FCC-E221920A3269}"/>
+                <a16:creationId xmlns:a16="http://schemas.microsoft.com/office/drawing/2014/main" xmlns="" id="{F3AA2E1E-E7A2-7C44-8FCC-E221920A3269}"/>
               </a:ext>
             </a:extLst>
           </p:cNvPr>
@@ -3690,7 +3691,7 @@
           <p:cNvPr id="2" name="Title 1">
             <a:extLst>
               <a:ext uri="{FF2B5EF4-FFF2-40B4-BE49-F238E27FC236}">
-                <a16:creationId xmlns:a16="http://schemas.microsoft.com/office/drawing/2014/main" id="{ED33452B-C836-6B42-B259-6854BE72D335}"/>
+                <a16:creationId xmlns:a16="http://schemas.microsoft.com/office/drawing/2014/main" xmlns="" id="{ED33452B-C836-6B42-B259-6854BE72D335}"/>
               </a:ext>
             </a:extLst>
           </p:cNvPr>
@@ -3718,7 +3719,7 @@
           <p:cNvPr id="3" name="Content Placeholder 2">
             <a:extLst>
               <a:ext uri="{FF2B5EF4-FFF2-40B4-BE49-F238E27FC236}">
-                <a16:creationId xmlns:a16="http://schemas.microsoft.com/office/drawing/2014/main" id="{FF5CE225-B1AE-ED40-85F7-033D0375A9D3}"/>
+                <a16:creationId xmlns:a16="http://schemas.microsoft.com/office/drawing/2014/main" xmlns="" id="{FF5CE225-B1AE-ED40-85F7-033D0375A9D3}"/>
               </a:ext>
             </a:extLst>
           </p:cNvPr>
@@ -3779,7 +3780,7 @@
           <p:cNvPr id="2" name="Title 1">
             <a:extLst>
               <a:ext uri="{FF2B5EF4-FFF2-40B4-BE49-F238E27FC236}">
-                <a16:creationId xmlns:a16="http://schemas.microsoft.com/office/drawing/2014/main" id="{B059F9D4-0F7E-4942-BEE6-A75CF678742B}"/>
+                <a16:creationId xmlns:a16="http://schemas.microsoft.com/office/drawing/2014/main" xmlns="" id="{B059F9D4-0F7E-4942-BEE6-A75CF678742B}"/>
               </a:ext>
             </a:extLst>
           </p:cNvPr>
@@ -3807,7 +3808,7 @@
           <p:cNvPr id="3" name="Content Placeholder 2">
             <a:extLst>
               <a:ext uri="{FF2B5EF4-FFF2-40B4-BE49-F238E27FC236}">
-                <a16:creationId xmlns:a16="http://schemas.microsoft.com/office/drawing/2014/main" id="{B225A4D1-A03A-9648-93B3-242DED2C3DC9}"/>
+                <a16:creationId xmlns:a16="http://schemas.microsoft.com/office/drawing/2014/main" xmlns="" id="{B225A4D1-A03A-9648-93B3-242DED2C3DC9}"/>
               </a:ext>
             </a:extLst>
           </p:cNvPr>
@@ -3891,7 +3892,7 @@
           <p:cNvPr id="2" name="Title 1">
             <a:extLst>
               <a:ext uri="{FF2B5EF4-FFF2-40B4-BE49-F238E27FC236}">
-                <a16:creationId xmlns:a16="http://schemas.microsoft.com/office/drawing/2014/main" id="{439CDC89-F569-E84A-A4B9-59A27F434BD1}"/>
+                <a16:creationId xmlns:a16="http://schemas.microsoft.com/office/drawing/2014/main" xmlns="" id="{439CDC89-F569-E84A-A4B9-59A27F434BD1}"/>
               </a:ext>
             </a:extLst>
           </p:cNvPr>
@@ -3919,7 +3920,7 @@
           <p:cNvPr id="3" name="Content Placeholder 2">
             <a:extLst>
               <a:ext uri="{FF2B5EF4-FFF2-40B4-BE49-F238E27FC236}">
-                <a16:creationId xmlns:a16="http://schemas.microsoft.com/office/drawing/2014/main" id="{3EC4560A-21B5-4D46-8D9A-86E962CCCD90}"/>
+                <a16:creationId xmlns:a16="http://schemas.microsoft.com/office/drawing/2014/main" xmlns="" id="{3EC4560A-21B5-4D46-8D9A-86E962CCCD90}"/>
               </a:ext>
             </a:extLst>
           </p:cNvPr>
@@ -3998,7 +3999,7 @@
           <p:cNvPr id="5" name="Picture 4">
             <a:extLst>
               <a:ext uri="{FF2B5EF4-FFF2-40B4-BE49-F238E27FC236}">
-                <a16:creationId xmlns:a16="http://schemas.microsoft.com/office/drawing/2014/main" id="{1018409A-81B7-E84D-B337-172CD7A9F5C9}"/>
+                <a16:creationId xmlns:a16="http://schemas.microsoft.com/office/drawing/2014/main" xmlns="" id="{1018409A-81B7-E84D-B337-172CD7A9F5C9}"/>
               </a:ext>
             </a:extLst>
           </p:cNvPr>
@@ -4058,7 +4059,7 @@
           <p:cNvPr id="2" name="Title 1">
             <a:extLst>
               <a:ext uri="{FF2B5EF4-FFF2-40B4-BE49-F238E27FC236}">
-                <a16:creationId xmlns:a16="http://schemas.microsoft.com/office/drawing/2014/main" id="{602733A1-0AB8-6047-96FF-CA8C38B5F9D9}"/>
+                <a16:creationId xmlns:a16="http://schemas.microsoft.com/office/drawing/2014/main" xmlns="" id="{439CDC89-F569-E84A-A4B9-59A27F434BD1}"/>
               </a:ext>
             </a:extLst>
           </p:cNvPr>
@@ -4069,15 +4070,25 @@
             <p:ph type="title"/>
           </p:nvPr>
         </p:nvSpPr>
-        <p:spPr/>
+        <p:spPr>
+          <a:xfrm>
+            <a:off x="1451580" y="797145"/>
+            <a:ext cx="9603275" cy="1049235"/>
+          </a:xfrm>
+        </p:spPr>
         <p:txBody>
           <a:bodyPr/>
           <a:lstStyle/>
           <a:p>
             <a:r>
               <a:rPr lang="en-US" dirty="0"/>
-              <a:t>website</a:t>
-            </a:r>
+              <a:t>Creating </a:t>
+            </a:r>
+            <a:r>
+              <a:rPr lang="en-US" dirty="0" smtClean="0"/>
+              <a:t>Leaflet Map</a:t>
+            </a:r>
+            <a:endParaRPr lang="en-US" dirty="0"/>
           </a:p>
         </p:txBody>
       </p:sp>
@@ -4086,7 +4097,245 @@
           <p:cNvPr id="3" name="Content Placeholder 2">
             <a:extLst>
               <a:ext uri="{FF2B5EF4-FFF2-40B4-BE49-F238E27FC236}">
-                <a16:creationId xmlns:a16="http://schemas.microsoft.com/office/drawing/2014/main" id="{9C16CA0B-BF2D-7D4F-A555-F4B4A9753DFD}"/>
+                <a16:creationId xmlns:a16="http://schemas.microsoft.com/office/drawing/2014/main" xmlns="" id="{3EC4560A-21B5-4D46-8D9A-86E962CCCD90}"/>
+              </a:ext>
+            </a:extLst>
+          </p:cNvPr>
+          <p:cNvSpPr>
+            <a:spLocks noGrp="1"/>
+          </p:cNvSpPr>
+          <p:nvPr>
+            <p:ph idx="1"/>
+          </p:nvPr>
+        </p:nvSpPr>
+        <p:spPr>
+          <a:xfrm>
+            <a:off x="1451580" y="2015732"/>
+            <a:ext cx="4241297" cy="3979487"/>
+          </a:xfrm>
+        </p:spPr>
+        <p:txBody>
+          <a:bodyPr>
+            <a:normAutofit fontScale="70000" lnSpcReduction="20000"/>
+          </a:bodyPr>
+          <a:lstStyle/>
+          <a:p>
+            <a:pPr marL="0" indent="0">
+              <a:buNone/>
+            </a:pPr>
+            <a:r>
+              <a:rPr lang="en-US" dirty="0" smtClean="0"/>
+              <a:t>Challenges:</a:t>
+            </a:r>
+            <a:endParaRPr lang="en-US" dirty="0"/>
+          </a:p>
+          <a:p>
+            <a:r>
+              <a:rPr lang="en-US" dirty="0" smtClean="0"/>
+              <a:t>Pullin</a:t>
+            </a:r>
+            <a:r>
+              <a:rPr lang="en-US" dirty="0" smtClean="0"/>
+              <a:t>g csv data into </a:t>
+            </a:r>
+            <a:r>
+              <a:rPr lang="en-US" dirty="0" err="1" smtClean="0"/>
+              <a:t>js</a:t>
+            </a:r>
+            <a:endParaRPr lang="en-US" dirty="0" smtClean="0"/>
+          </a:p>
+          <a:p>
+            <a:r>
+              <a:rPr lang="en-US" dirty="0" smtClean="0"/>
+              <a:t>Changing the format of the data, so it can be mapped</a:t>
+            </a:r>
+          </a:p>
+          <a:p>
+            <a:pPr marL="0" indent="0">
+              <a:buNone/>
+            </a:pPr>
+            <a:r>
+              <a:rPr lang="en-US" dirty="0" smtClean="0"/>
+              <a:t>Lessons learned:</a:t>
+            </a:r>
+            <a:endParaRPr lang="en-US" dirty="0"/>
+          </a:p>
+          <a:p>
+            <a:r>
+              <a:rPr lang="en-US" dirty="0" smtClean="0"/>
+              <a:t>D3 can be used to read csv or </a:t>
+            </a:r>
+            <a:r>
+              <a:rPr lang="en-US" dirty="0" err="1" smtClean="0"/>
+              <a:t>json</a:t>
+            </a:r>
+            <a:r>
+              <a:rPr lang="en-US" dirty="0" smtClean="0"/>
+              <a:t> files even if you are not using D3 as your visualization tool</a:t>
+            </a:r>
+            <a:endParaRPr lang="en-US" dirty="0"/>
+          </a:p>
+          <a:p>
+            <a:r>
+              <a:rPr lang="en-US" dirty="0" smtClean="0"/>
+              <a:t>d. and d[]  can be used to bring in data as float or string</a:t>
+            </a:r>
+          </a:p>
+          <a:p>
+            <a:r>
+              <a:rPr lang="en-US" dirty="0" smtClean="0"/>
+              <a:t>.</a:t>
+            </a:r>
+            <a:r>
+              <a:rPr lang="en-US" dirty="0" err="1" smtClean="0"/>
+              <a:t>toFixed</a:t>
+            </a:r>
+            <a:r>
+              <a:rPr lang="en-US" dirty="0" smtClean="0"/>
+              <a:t>() and </a:t>
+            </a:r>
+            <a:r>
+              <a:rPr lang="en-US" dirty="0" err="1" smtClean="0"/>
+              <a:t>Math.round</a:t>
+            </a:r>
+            <a:r>
+              <a:rPr lang="en-US" dirty="0" smtClean="0"/>
+              <a:t>() can be used to change the number of decimal places of a specific variable</a:t>
+            </a:r>
+            <a:endParaRPr lang="en-US" dirty="0"/>
+          </a:p>
+          <a:p>
+            <a:endParaRPr lang="en-US" dirty="0"/>
+          </a:p>
+          <a:p>
+            <a:endParaRPr lang="en-US" dirty="0"/>
+          </a:p>
+          <a:p>
+            <a:endParaRPr lang="en-US" dirty="0"/>
+          </a:p>
+          <a:p>
+            <a:endParaRPr lang="en-US" dirty="0"/>
+          </a:p>
+        </p:txBody>
+      </p:sp>
+      <p:pic>
+        <p:nvPicPr>
+          <p:cNvPr id="1026" name="Picture 2"/>
+          <p:cNvPicPr>
+            <a:picLocks noChangeAspect="1" noChangeArrowheads="1"/>
+          </p:cNvPicPr>
+          <p:nvPr/>
+        </p:nvPicPr>
+        <p:blipFill>
+          <a:blip r:embed="rId2">
+            <a:extLst>
+              <a:ext uri="{28A0092B-C50C-407E-A947-70E740481C1C}">
+                <a14:useLocalDpi xmlns:a14="http://schemas.microsoft.com/office/drawing/2010/main" val="0"/>
+              </a:ext>
+            </a:extLst>
+          </a:blip>
+          <a:srcRect/>
+          <a:stretch>
+            <a:fillRect/>
+          </a:stretch>
+        </p:blipFill>
+        <p:spPr bwMode="auto">
+          <a:xfrm>
+            <a:off x="5941313" y="1971813"/>
+            <a:ext cx="5113542" cy="4083691"/>
+          </a:xfrm>
+          <a:prstGeom prst="rect">
+            <a:avLst/>
+          </a:prstGeom>
+          <a:noFill/>
+          <a:ln>
+            <a:noFill/>
+          </a:ln>
+          <a:extLst>
+            <a:ext uri="{909E8E84-426E-40DD-AFC4-6F175D3DCCD1}">
+              <a14:hiddenFill xmlns:a14="http://schemas.microsoft.com/office/drawing/2010/main">
+                <a:solidFill>
+                  <a:schemeClr val="accent1"/>
+                </a:solidFill>
+              </a14:hiddenFill>
+            </a:ext>
+            <a:ext uri="{91240B29-F687-4F45-9708-019B960494DF}">
+              <a14:hiddenLine xmlns:a14="http://schemas.microsoft.com/office/drawing/2010/main" w="9525">
+                <a:solidFill>
+                  <a:schemeClr val="tx1"/>
+                </a:solidFill>
+                <a:miter lim="800000"/>
+                <a:headEnd/>
+                <a:tailEnd/>
+              </a14:hiddenLine>
+            </a:ext>
+          </a:extLst>
+        </p:spPr>
+      </p:pic>
+    </p:spTree>
+    <p:extLst>
+      <p:ext uri="{BB962C8B-B14F-4D97-AF65-F5344CB8AC3E}">
+        <p14:creationId xmlns:p14="http://schemas.microsoft.com/office/powerpoint/2010/main" val="2150332162"/>
+      </p:ext>
+    </p:extLst>
+  </p:cSld>
+  <p:clrMapOvr>
+    <a:masterClrMapping/>
+  </p:clrMapOvr>
+</p:sld>
+</file>
+
+<file path=ppt/slides/slide6.xml><?xml version="1.0" encoding="utf-8"?>
+<p:sld xmlns:a="http://schemas.openxmlformats.org/drawingml/2006/main" xmlns:r="http://schemas.openxmlformats.org/officeDocument/2006/relationships" xmlns:p="http://schemas.openxmlformats.org/presentationml/2006/main">
+  <p:cSld>
+    <p:spTree>
+      <p:nvGrpSpPr>
+        <p:cNvPr id="1" name=""/>
+        <p:cNvGrpSpPr/>
+        <p:nvPr/>
+      </p:nvGrpSpPr>
+      <p:grpSpPr>
+        <a:xfrm>
+          <a:off x="0" y="0"/>
+          <a:ext cx="0" cy="0"/>
+          <a:chOff x="0" y="0"/>
+          <a:chExt cx="0" cy="0"/>
+        </a:xfrm>
+      </p:grpSpPr>
+      <p:sp>
+        <p:nvSpPr>
+          <p:cNvPr id="2" name="Title 1">
+            <a:extLst>
+              <a:ext uri="{FF2B5EF4-FFF2-40B4-BE49-F238E27FC236}">
+                <a16:creationId xmlns:a16="http://schemas.microsoft.com/office/drawing/2014/main" xmlns="" id="{602733A1-0AB8-6047-96FF-CA8C38B5F9D9}"/>
+              </a:ext>
+            </a:extLst>
+          </p:cNvPr>
+          <p:cNvSpPr>
+            <a:spLocks noGrp="1"/>
+          </p:cNvSpPr>
+          <p:nvPr>
+            <p:ph type="title"/>
+          </p:nvPr>
+        </p:nvSpPr>
+        <p:spPr/>
+        <p:txBody>
+          <a:bodyPr/>
+          <a:lstStyle/>
+          <a:p>
+            <a:r>
+              <a:rPr lang="en-US" dirty="0"/>
+              <a:t>website</a:t>
+            </a:r>
+          </a:p>
+        </p:txBody>
+      </p:sp>
+      <p:sp>
+        <p:nvSpPr>
+          <p:cNvPr id="3" name="Content Placeholder 2">
+            <a:extLst>
+              <a:ext uri="{FF2B5EF4-FFF2-40B4-BE49-F238E27FC236}">
+                <a16:creationId xmlns:a16="http://schemas.microsoft.com/office/drawing/2014/main" xmlns="" id="{9C16CA0B-BF2D-7D4F-A555-F4B4A9753DFD}"/>
               </a:ext>
             </a:extLst>
           </p:cNvPr>
@@ -4372,8 +4621,49 @@
   <a:extraClrSchemeLst/>
   <a:extLst>
     <a:ext uri="{05A4C25C-085E-4340-85A3-A5531E510DB2}">
-      <thm15:themeFamily xmlns:thm15="http://schemas.microsoft.com/office/thememl/2012/main" name="Gallery" id="{BBFCD31E-59A1-489D-B089-A3EAD7CAE12E}" vid="{F5E91637-A7B6-4E27-B710-77DA7014EE1E}"/>
+      <thm15:themeFamily xmlns:thm15="http://schemas.microsoft.com/office/thememl/2012/main" xmlns="" name="Gallery" id="{BBFCD31E-59A1-489D-B089-A3EAD7CAE12E}" vid="{F5E91637-A7B6-4E27-B710-77DA7014EE1E}"/>
     </a:ext>
   </a:extLst>
 </a:theme>
+</file>
+
+<file path=customXml/item1.xml><?xml version="1.0" encoding="utf-8"?>
+<Application xmlns="http://www.sap.com/cof/powerpoint/application">
+  <Version>2</Version>
+  <Revision>2.6.101.79403</Revision>
+</Application>
+</file>
+
+<file path=customXml/item2.xml><?xml version="1.0" encoding="utf-8"?>
+<Application xmlns="http://www.sap.com/cof/ao/powerpoint/application">
+  <com.sap.ip.bi.pioneer>
+    <Version>4</Version>
+    <AAO_Revision>2.6.101.79403</AAO_Revision>
+    <RefreshOnOpen>False</RefreshOnOpen>
+    <PlanningModeSetToChangeMode>True</PlanningModeSetToChangeMode>
+    <Cleaned>False</Cleaned>
+    <ForcePromptOnInitialRefresh>False</ForcePromptOnInitialRefresh>
+    <StorePromptsInDocument>True</StorePromptsInDocument>
+    <MergeVariables>True</MergeVariables>
+    <WorkingMode>Local</WorkingMode>
+    <RefreshPlanningObjectsOnRefreshAll>True</RefreshPlanningObjectsOnRefreshAll>
+    <Items/>
+  </com.sap.ip.bi.pioneer>
+</Application>
+</file>
+
+<file path=customXml/itemProps1.xml><?xml version="1.0" encoding="utf-8"?>
+<ds:datastoreItem xmlns:ds="http://schemas.openxmlformats.org/officeDocument/2006/customXml" ds:itemID="{B554159A-D326-4D61-86E3-320EA5C64F51}">
+  <ds:schemaRefs>
+    <ds:schemaRef ds:uri="http://www.sap.com/cof/powerpoint/application"/>
+  </ds:schemaRefs>
+</ds:datastoreItem>
+</file>
+
+<file path=customXml/itemProps2.xml><?xml version="1.0" encoding="utf-8"?>
+<ds:datastoreItem xmlns:ds="http://schemas.openxmlformats.org/officeDocument/2006/customXml" ds:itemID="{3D563475-AE3D-424F-B739-49BDF294C253}">
+  <ds:schemaRefs>
+    <ds:schemaRef ds:uri="http://www.sap.com/cof/ao/powerpoint/application"/>
+  </ds:schemaRefs>
+</ds:datastoreItem>
 </file>
--- a/Presentation for project 2.pptx
+++ b/Presentation for project 2.pptx
@@ -111,7 +111,18 @@
   </p:defaultTextStyle>
   <p:extLst>
     <p:ext uri="{EFAFB233-063F-42B5-8137-9DF3F51BA10A}">
-      <p15:sldGuideLst xmlns:p15="http://schemas.microsoft.com/office/powerpoint/2012/main" xmlns=""/>
+      <p15:sldGuideLst xmlns:p15="http://schemas.microsoft.com/office/powerpoint/2012/main">
+        <p15:guide id="1" orient="horz" pos="2160">
+          <p15:clr>
+            <a:srgbClr val="A4A3A4"/>
+          </p15:clr>
+        </p15:guide>
+        <p15:guide id="2" pos="3840">
+          <p15:clr>
+            <a:srgbClr val="A4A3A4"/>
+          </p15:clr>
+        </p15:guide>
+      </p15:sldGuideLst>
     </p:ext>
   </p:extLst>
 </p:presentation>
@@ -256,7 +267,7 @@
           <a:p>
             <a:fld id="{48A87A34-81AB-432B-8DAE-1953F412C126}" type="datetimeFigureOut">
               <a:rPr lang="en-US" dirty="0"/>
-              <a:t>5/31/2018</a:t>
+              <a:t>5/31/18</a:t>
             </a:fld>
             <a:endParaRPr lang="en-US" dirty="0"/>
           </a:p>
@@ -462,7 +473,7 @@
           <a:p>
             <a:fld id="{48A87A34-81AB-432B-8DAE-1953F412C126}" type="datetimeFigureOut">
               <a:rPr lang="en-US" dirty="0"/>
-              <a:t>5/31/2018</a:t>
+              <a:t>5/31/18</a:t>
             </a:fld>
             <a:endParaRPr lang="en-US" dirty="0"/>
           </a:p>
@@ -672,7 +683,7 @@
           <a:p>
             <a:fld id="{48A87A34-81AB-432B-8DAE-1953F412C126}" type="datetimeFigureOut">
               <a:rPr lang="en-US" dirty="0"/>
-              <a:t>5/31/2018</a:t>
+              <a:t>5/31/18</a:t>
             </a:fld>
             <a:endParaRPr lang="en-US" dirty="0"/>
           </a:p>
@@ -868,7 +879,7 @@
           <a:p>
             <a:fld id="{48A87A34-81AB-432B-8DAE-1953F412C126}" type="datetimeFigureOut">
               <a:rPr lang="en-US" dirty="0"/>
-              <a:t>5/31/2018</a:t>
+              <a:t>5/31/18</a:t>
             </a:fld>
             <a:endParaRPr lang="en-US" dirty="0"/>
           </a:p>
@@ -1142,7 +1153,7 @@
           <a:p>
             <a:fld id="{48A87A34-81AB-432B-8DAE-1953F412C126}" type="datetimeFigureOut">
               <a:rPr lang="en-US" dirty="0"/>
-              <a:t>5/31/2018</a:t>
+              <a:t>5/31/18</a:t>
             </a:fld>
             <a:endParaRPr lang="en-US" dirty="0"/>
           </a:p>
@@ -1405,7 +1416,7 @@
           <a:p>
             <a:fld id="{48A87A34-81AB-432B-8DAE-1953F412C126}" type="datetimeFigureOut">
               <a:rPr lang="en-US" dirty="0"/>
-              <a:t>5/31/2018</a:t>
+              <a:t>5/31/18</a:t>
             </a:fld>
             <a:endParaRPr lang="en-US" dirty="0"/>
           </a:p>
@@ -1816,7 +1827,7 @@
           <a:p>
             <a:fld id="{48A87A34-81AB-432B-8DAE-1953F412C126}" type="datetimeFigureOut">
               <a:rPr lang="en-US" dirty="0"/>
-              <a:t>5/31/2018</a:t>
+              <a:t>5/31/18</a:t>
             </a:fld>
             <a:endParaRPr lang="en-US" dirty="0"/>
           </a:p>
@@ -1960,7 +1971,7 @@
           <a:p>
             <a:fld id="{48A87A34-81AB-432B-8DAE-1953F412C126}" type="datetimeFigureOut">
               <a:rPr lang="en-US" dirty="0"/>
-              <a:t>5/31/2018</a:t>
+              <a:t>5/31/18</a:t>
             </a:fld>
             <a:endParaRPr lang="en-US" dirty="0"/>
           </a:p>
@@ -2081,7 +2092,7 @@
           <a:p>
             <a:fld id="{48A87A34-81AB-432B-8DAE-1953F412C126}" type="datetimeFigureOut">
               <a:rPr lang="en-US" dirty="0"/>
-              <a:t>5/31/2018</a:t>
+              <a:t>5/31/18</a:t>
             </a:fld>
             <a:endParaRPr lang="en-US" dirty="0"/>
           </a:p>
@@ -2327,7 +2338,7 @@
           <a:p>
             <a:fld id="{48A87A34-81AB-432B-8DAE-1953F412C126}" type="datetimeFigureOut">
               <a:rPr lang="en-US" dirty="0"/>
-              <a:t>5/31/2018</a:t>
+              <a:t>5/31/18</a:t>
             </a:fld>
             <a:endParaRPr lang="en-US" dirty="0"/>
           </a:p>
@@ -2768,7 +2779,7 @@
             <a:fld id="{48A87A34-81AB-432B-8DAE-1953F412C126}" type="datetimeFigureOut">
               <a:rPr lang="en-US" dirty="0"/>
               <a:pPr/>
-              <a:t>5/31/2018</a:t>
+              <a:t>5/31/18</a:t>
             </a:fld>
             <a:endParaRPr lang="en-US" dirty="0"/>
           </a:p>
@@ -3090,7 +3101,7 @@
             <a:fld id="{48A87A34-81AB-432B-8DAE-1953F412C126}" type="datetimeFigureOut">
               <a:rPr lang="en-US" dirty="0"/>
               <a:pPr/>
-              <a:t>5/31/2018</a:t>
+              <a:t>5/31/18</a:t>
             </a:fld>
             <a:endParaRPr lang="en-US" dirty="0"/>
           </a:p>
@@ -3577,7 +3588,7 @@
           <p:cNvPr id="2" name="Title 1">
             <a:extLst>
               <a:ext uri="{FF2B5EF4-FFF2-40B4-BE49-F238E27FC236}">
-                <a16:creationId xmlns:a16="http://schemas.microsoft.com/office/drawing/2014/main" xmlns="" id="{C0C9E47C-DA85-7547-90F3-45BF954BBA34}"/>
+                <a16:creationId xmlns:a16="http://schemas.microsoft.com/office/drawing/2014/main" id="{C0C9E47C-DA85-7547-90F3-45BF954BBA34}"/>
               </a:ext>
             </a:extLst>
           </p:cNvPr>
@@ -3606,7 +3617,7 @@
           <p:cNvPr id="3" name="Subtitle 2">
             <a:extLst>
               <a:ext uri="{FF2B5EF4-FFF2-40B4-BE49-F238E27FC236}">
-                <a16:creationId xmlns:a16="http://schemas.microsoft.com/office/drawing/2014/main" xmlns="" id="{1C1B8D06-612F-3B49-8509-511B12CD0034}"/>
+                <a16:creationId xmlns:a16="http://schemas.microsoft.com/office/drawing/2014/main" id="{1C1B8D06-612F-3B49-8509-511B12CD0034}"/>
               </a:ext>
             </a:extLst>
           </p:cNvPr>
@@ -3631,7 +3642,7 @@
           <p:cNvPr id="4" name="Picture 3">
             <a:extLst>
               <a:ext uri="{FF2B5EF4-FFF2-40B4-BE49-F238E27FC236}">
-                <a16:creationId xmlns:a16="http://schemas.microsoft.com/office/drawing/2014/main" xmlns="" id="{F3AA2E1E-E7A2-7C44-8FCC-E221920A3269}"/>
+                <a16:creationId xmlns:a16="http://schemas.microsoft.com/office/drawing/2014/main" id="{F3AA2E1E-E7A2-7C44-8FCC-E221920A3269}"/>
               </a:ext>
             </a:extLst>
           </p:cNvPr>
@@ -3691,7 +3702,7 @@
           <p:cNvPr id="2" name="Title 1">
             <a:extLst>
               <a:ext uri="{FF2B5EF4-FFF2-40B4-BE49-F238E27FC236}">
-                <a16:creationId xmlns:a16="http://schemas.microsoft.com/office/drawing/2014/main" xmlns="" id="{ED33452B-C836-6B42-B259-6854BE72D335}"/>
+                <a16:creationId xmlns:a16="http://schemas.microsoft.com/office/drawing/2014/main" id="{ED33452B-C836-6B42-B259-6854BE72D335}"/>
               </a:ext>
             </a:extLst>
           </p:cNvPr>
@@ -3719,7 +3730,7 @@
           <p:cNvPr id="3" name="Content Placeholder 2">
             <a:extLst>
               <a:ext uri="{FF2B5EF4-FFF2-40B4-BE49-F238E27FC236}">
-                <a16:creationId xmlns:a16="http://schemas.microsoft.com/office/drawing/2014/main" xmlns="" id="{FF5CE225-B1AE-ED40-85F7-033D0375A9D3}"/>
+                <a16:creationId xmlns:a16="http://schemas.microsoft.com/office/drawing/2014/main" id="{FF5CE225-B1AE-ED40-85F7-033D0375A9D3}"/>
               </a:ext>
             </a:extLst>
           </p:cNvPr>
@@ -3780,7 +3791,7 @@
           <p:cNvPr id="2" name="Title 1">
             <a:extLst>
               <a:ext uri="{FF2B5EF4-FFF2-40B4-BE49-F238E27FC236}">
-                <a16:creationId xmlns:a16="http://schemas.microsoft.com/office/drawing/2014/main" xmlns="" id="{B059F9D4-0F7E-4942-BEE6-A75CF678742B}"/>
+                <a16:creationId xmlns:a16="http://schemas.microsoft.com/office/drawing/2014/main" id="{B059F9D4-0F7E-4942-BEE6-A75CF678742B}"/>
               </a:ext>
             </a:extLst>
           </p:cNvPr>
@@ -3808,7 +3819,7 @@
           <p:cNvPr id="3" name="Content Placeholder 2">
             <a:extLst>
               <a:ext uri="{FF2B5EF4-FFF2-40B4-BE49-F238E27FC236}">
-                <a16:creationId xmlns:a16="http://schemas.microsoft.com/office/drawing/2014/main" xmlns="" id="{B225A4D1-A03A-9648-93B3-242DED2C3DC9}"/>
+                <a16:creationId xmlns:a16="http://schemas.microsoft.com/office/drawing/2014/main" id="{B225A4D1-A03A-9648-93B3-242DED2C3DC9}"/>
               </a:ext>
             </a:extLst>
           </p:cNvPr>
@@ -3892,7 +3903,7 @@
           <p:cNvPr id="2" name="Title 1">
             <a:extLst>
               <a:ext uri="{FF2B5EF4-FFF2-40B4-BE49-F238E27FC236}">
-                <a16:creationId xmlns:a16="http://schemas.microsoft.com/office/drawing/2014/main" xmlns="" id="{439CDC89-F569-E84A-A4B9-59A27F434BD1}"/>
+                <a16:creationId xmlns:a16="http://schemas.microsoft.com/office/drawing/2014/main" id="{439CDC89-F569-E84A-A4B9-59A27F434BD1}"/>
               </a:ext>
             </a:extLst>
           </p:cNvPr>
@@ -3920,7 +3931,7 @@
           <p:cNvPr id="3" name="Content Placeholder 2">
             <a:extLst>
               <a:ext uri="{FF2B5EF4-FFF2-40B4-BE49-F238E27FC236}">
-                <a16:creationId xmlns:a16="http://schemas.microsoft.com/office/drawing/2014/main" xmlns="" id="{3EC4560A-21B5-4D46-8D9A-86E962CCCD90}"/>
+                <a16:creationId xmlns:a16="http://schemas.microsoft.com/office/drawing/2014/main" id="{3EC4560A-21B5-4D46-8D9A-86E962CCCD90}"/>
               </a:ext>
             </a:extLst>
           </p:cNvPr>
@@ -3934,7 +3945,7 @@
         <p:spPr/>
         <p:txBody>
           <a:bodyPr>
-            <a:normAutofit fontScale="92500" lnSpcReduction="20000"/>
+            <a:normAutofit/>
           </a:bodyPr>
           <a:lstStyle/>
           <a:p>
@@ -3950,18 +3961,6 @@
               <a:rPr lang="en-US" dirty="0"/>
               <a:t> website by city names</a:t>
             </a:r>
-          </a:p>
-          <a:p>
-            <a:endParaRPr lang="en-US" dirty="0"/>
-          </a:p>
-          <a:p>
-            <a:endParaRPr lang="en-US" dirty="0"/>
-          </a:p>
-          <a:p>
-            <a:endParaRPr lang="en-US" dirty="0"/>
-          </a:p>
-          <a:p>
-            <a:endParaRPr lang="en-US" dirty="0"/>
           </a:p>
           <a:p>
             <a:r>
@@ -3999,7 +3998,7 @@
           <p:cNvPr id="5" name="Picture 4">
             <a:extLst>
               <a:ext uri="{FF2B5EF4-FFF2-40B4-BE49-F238E27FC236}">
-                <a16:creationId xmlns:a16="http://schemas.microsoft.com/office/drawing/2014/main" xmlns="" id="{1018409A-81B7-E84D-B337-172CD7A9F5C9}"/>
+                <a16:creationId xmlns:a16="http://schemas.microsoft.com/office/drawing/2014/main" id="{1018409A-81B7-E84D-B337-172CD7A9F5C9}"/>
               </a:ext>
             </a:extLst>
           </p:cNvPr>
@@ -4016,8 +4015,8 @@
         </p:blipFill>
         <p:spPr>
           <a:xfrm>
-            <a:off x="1665908" y="2370590"/>
-            <a:ext cx="4151796" cy="1755158"/>
+            <a:off x="7203108" y="2015732"/>
+            <a:ext cx="4151796" cy="2781300"/>
           </a:xfrm>
           <a:prstGeom prst="rect">
             <a:avLst/>
@@ -4059,7 +4058,7 @@
           <p:cNvPr id="2" name="Title 1">
             <a:extLst>
               <a:ext uri="{FF2B5EF4-FFF2-40B4-BE49-F238E27FC236}">
-                <a16:creationId xmlns:a16="http://schemas.microsoft.com/office/drawing/2014/main" xmlns="" id="{439CDC89-F569-E84A-A4B9-59A27F434BD1}"/>
+                <a16:creationId xmlns:a16="http://schemas.microsoft.com/office/drawing/2014/main" id="{439CDC89-F569-E84A-A4B9-59A27F434BD1}"/>
               </a:ext>
             </a:extLst>
           </p:cNvPr>
@@ -4082,13 +4081,8 @@
           <a:p>
             <a:r>
               <a:rPr lang="en-US" dirty="0"/>
-              <a:t>Creating </a:t>
-            </a:r>
-            <a:r>
-              <a:rPr lang="en-US" dirty="0" smtClean="0"/>
-              <a:t>Leaflet Map</a:t>
-            </a:r>
-            <a:endParaRPr lang="en-US" dirty="0"/>
+              <a:t>Creating Leaflet Map</a:t>
+            </a:r>
           </a:p>
         </p:txBody>
       </p:sp>
@@ -4097,7 +4091,7 @@
           <p:cNvPr id="3" name="Content Placeholder 2">
             <a:extLst>
               <a:ext uri="{FF2B5EF4-FFF2-40B4-BE49-F238E27FC236}">
-                <a16:creationId xmlns:a16="http://schemas.microsoft.com/office/drawing/2014/main" xmlns="" id="{3EC4560A-21B5-4D46-8D9A-86E962CCCD90}"/>
+                <a16:creationId xmlns:a16="http://schemas.microsoft.com/office/drawing/2014/main" id="{3EC4560A-21B5-4D46-8D9A-86E962CCCD90}"/>
               </a:ext>
             </a:extLst>
           </p:cNvPr>
@@ -4124,29 +4118,24 @@
               <a:buNone/>
             </a:pPr>
             <a:r>
-              <a:rPr lang="en-US" dirty="0" smtClean="0"/>
+              <a:rPr lang="en-US" dirty="0"/>
               <a:t>Challenges:</a:t>
             </a:r>
-            <a:endParaRPr lang="en-US" dirty="0"/>
-          </a:p>
-          <a:p>
-            <a:r>
-              <a:rPr lang="en-US" dirty="0" smtClean="0"/>
-              <a:t>Pullin</a:t>
-            </a:r>
-            <a:r>
-              <a:rPr lang="en-US" dirty="0" smtClean="0"/>
-              <a:t>g csv data into </a:t>
-            </a:r>
-            <a:r>
-              <a:rPr lang="en-US" dirty="0" err="1" smtClean="0"/>
+          </a:p>
+          <a:p>
+            <a:r>
+              <a:rPr lang="en-US" dirty="0"/>
+              <a:t>Pulling csv data into </a:t>
+            </a:r>
+            <a:r>
+              <a:rPr lang="en-US" dirty="0" err="1"/>
               <a:t>js</a:t>
             </a:r>
-            <a:endParaRPr lang="en-US" dirty="0" smtClean="0"/>
-          </a:p>
-          <a:p>
-            <a:r>
-              <a:rPr lang="en-US" dirty="0" smtClean="0"/>
+            <a:endParaRPr lang="en-US" dirty="0"/>
+          </a:p>
+          <a:p>
+            <a:r>
+              <a:rPr lang="en-US" dirty="0"/>
               <a:t>Changing the format of the data, so it can be mapped</a:t>
             </a:r>
           </a:p>
@@ -4155,54 +4144,51 @@
               <a:buNone/>
             </a:pPr>
             <a:r>
-              <a:rPr lang="en-US" dirty="0" smtClean="0"/>
+              <a:rPr lang="en-US" dirty="0"/>
               <a:t>Lessons learned:</a:t>
             </a:r>
-            <a:endParaRPr lang="en-US" dirty="0"/>
-          </a:p>
-          <a:p>
-            <a:r>
-              <a:rPr lang="en-US" dirty="0" smtClean="0"/>
+          </a:p>
+          <a:p>
+            <a:r>
+              <a:rPr lang="en-US" dirty="0"/>
               <a:t>D3 can be used to read csv or </a:t>
             </a:r>
             <a:r>
-              <a:rPr lang="en-US" dirty="0" err="1" smtClean="0"/>
+              <a:rPr lang="en-US" dirty="0" err="1"/>
               <a:t>json</a:t>
             </a:r>
             <a:r>
-              <a:rPr lang="en-US" dirty="0" smtClean="0"/>
+              <a:rPr lang="en-US" dirty="0"/>
               <a:t> files even if you are not using D3 as your visualization tool</a:t>
             </a:r>
-            <a:endParaRPr lang="en-US" dirty="0"/>
-          </a:p>
-          <a:p>
-            <a:r>
-              <a:rPr lang="en-US" dirty="0" smtClean="0"/>
+          </a:p>
+          <a:p>
+            <a:r>
+              <a:rPr lang="en-US" dirty="0"/>
               <a:t>d. and d[]  can be used to bring in data as float or string</a:t>
             </a:r>
           </a:p>
           <a:p>
             <a:r>
-              <a:rPr lang="en-US" dirty="0" smtClean="0"/>
+              <a:rPr lang="en-US" dirty="0"/>
               <a:t>.</a:t>
             </a:r>
             <a:r>
-              <a:rPr lang="en-US" dirty="0" err="1" smtClean="0"/>
+              <a:rPr lang="en-US" dirty="0" err="1"/>
               <a:t>toFixed</a:t>
             </a:r>
             <a:r>
-              <a:rPr lang="en-US" dirty="0" smtClean="0"/>
+              <a:rPr lang="en-US" dirty="0"/>
               <a:t>() and </a:t>
             </a:r>
             <a:r>
-              <a:rPr lang="en-US" dirty="0" err="1" smtClean="0"/>
+              <a:rPr lang="en-US" dirty="0" err="1"/>
               <a:t>Math.round</a:t>
             </a:r>
             <a:r>
-              <a:rPr lang="en-US" dirty="0" smtClean="0"/>
+              <a:rPr lang="en-US" dirty="0"/>
               <a:t>() can be used to change the number of decimal places of a specific variable</a:t>
             </a:r>
-            <a:endParaRPr lang="en-US" dirty="0"/>
           </a:p>
           <a:p>
             <a:endParaRPr lang="en-US" dirty="0"/>
@@ -4307,7 +4293,7 @@
           <p:cNvPr id="2" name="Title 1">
             <a:extLst>
               <a:ext uri="{FF2B5EF4-FFF2-40B4-BE49-F238E27FC236}">
-                <a16:creationId xmlns:a16="http://schemas.microsoft.com/office/drawing/2014/main" xmlns="" id="{602733A1-0AB8-6047-96FF-CA8C38B5F9D9}"/>
+                <a16:creationId xmlns:a16="http://schemas.microsoft.com/office/drawing/2014/main" id="{602733A1-0AB8-6047-96FF-CA8C38B5F9D9}"/>
               </a:ext>
             </a:extLst>
           </p:cNvPr>
@@ -4335,7 +4321,7 @@
           <p:cNvPr id="3" name="Content Placeholder 2">
             <a:extLst>
               <a:ext uri="{FF2B5EF4-FFF2-40B4-BE49-F238E27FC236}">
-                <a16:creationId xmlns:a16="http://schemas.microsoft.com/office/drawing/2014/main" xmlns="" id="{9C16CA0B-BF2D-7D4F-A555-F4B4A9753DFD}"/>
+                <a16:creationId xmlns:a16="http://schemas.microsoft.com/office/drawing/2014/main" id="{9C16CA0B-BF2D-7D4F-A555-F4B4A9753DFD}"/>
               </a:ext>
             </a:extLst>
           </p:cNvPr>
@@ -4621,20 +4607,13 @@
   <a:extraClrSchemeLst/>
   <a:extLst>
     <a:ext uri="{05A4C25C-085E-4340-85A3-A5531E510DB2}">
-      <thm15:themeFamily xmlns:thm15="http://schemas.microsoft.com/office/thememl/2012/main" xmlns="" name="Gallery" id="{BBFCD31E-59A1-489D-B089-A3EAD7CAE12E}" vid="{F5E91637-A7B6-4E27-B710-77DA7014EE1E}"/>
+      <thm15:themeFamily xmlns:thm15="http://schemas.microsoft.com/office/thememl/2012/main" name="Gallery" id="{BBFCD31E-59A1-489D-B089-A3EAD7CAE12E}" vid="{F5E91637-A7B6-4E27-B710-77DA7014EE1E}"/>
     </a:ext>
   </a:extLst>
 </a:theme>
 </file>
 
 <file path=customXml/item1.xml><?xml version="1.0" encoding="utf-8"?>
-<Application xmlns="http://www.sap.com/cof/powerpoint/application">
-  <Version>2</Version>
-  <Revision>2.6.101.79403</Revision>
-</Application>
-</file>
-
-<file path=customXml/item2.xml><?xml version="1.0" encoding="utf-8"?>
 <Application xmlns="http://www.sap.com/cof/ao/powerpoint/application">
   <com.sap.ip.bi.pioneer>
     <Version>4</Version>
@@ -4652,18 +4631,25 @@
 </Application>
 </file>
 
+<file path=customXml/item2.xml><?xml version="1.0" encoding="utf-8"?>
+<Application xmlns="http://www.sap.com/cof/powerpoint/application">
+  <Version>2</Version>
+  <Revision>2.6.101.79403</Revision>
+</Application>
+</file>
+
 <file path=customXml/itemProps1.xml><?xml version="1.0" encoding="utf-8"?>
+<ds:datastoreItem xmlns:ds="http://schemas.openxmlformats.org/officeDocument/2006/customXml" ds:itemID="{3D563475-AE3D-424F-B739-49BDF294C253}">
+  <ds:schemaRefs>
+    <ds:schemaRef ds:uri="http://www.sap.com/cof/ao/powerpoint/application"/>
+  </ds:schemaRefs>
+</ds:datastoreItem>
+</file>
+
+<file path=customXml/itemProps2.xml><?xml version="1.0" encoding="utf-8"?>
 <ds:datastoreItem xmlns:ds="http://schemas.openxmlformats.org/officeDocument/2006/customXml" ds:itemID="{B554159A-D326-4D61-86E3-320EA5C64F51}">
   <ds:schemaRefs>
     <ds:schemaRef ds:uri="http://www.sap.com/cof/powerpoint/application"/>
   </ds:schemaRefs>
 </ds:datastoreItem>
-</file>
-
-<file path=customXml/itemProps2.xml><?xml version="1.0" encoding="utf-8"?>
-<ds:datastoreItem xmlns:ds="http://schemas.openxmlformats.org/officeDocument/2006/customXml" ds:itemID="{3D563475-AE3D-424F-B739-49BDF294C253}">
-  <ds:schemaRefs>
-    <ds:schemaRef ds:uri="http://www.sap.com/cof/ao/powerpoint/application"/>
-  </ds:schemaRefs>
-</ds:datastoreItem>
 </file>
--- a/Presentation for project 2.pptx
+++ b/Presentation for project 2.pptx
@@ -3612,31 +3612,6 @@
           </a:p>
         </p:txBody>
       </p:sp>
-      <p:sp>
-        <p:nvSpPr>
-          <p:cNvPr id="3" name="Subtitle 2">
-            <a:extLst>
-              <a:ext uri="{FF2B5EF4-FFF2-40B4-BE49-F238E27FC236}">
-                <a16:creationId xmlns:a16="http://schemas.microsoft.com/office/drawing/2014/main" id="{1C1B8D06-612F-3B49-8509-511B12CD0034}"/>
-              </a:ext>
-            </a:extLst>
-          </p:cNvPr>
-          <p:cNvSpPr>
-            <a:spLocks noGrp="1"/>
-          </p:cNvSpPr>
-          <p:nvPr>
-            <p:ph type="subTitle" idx="1"/>
-          </p:nvPr>
-        </p:nvSpPr>
-        <p:spPr/>
-        <p:txBody>
-          <a:bodyPr/>
-          <a:lstStyle/>
-          <a:p>
-            <a:endParaRPr lang="en-US" dirty="0"/>
-          </a:p>
-        </p:txBody>
-      </p:sp>
       <p:pic>
         <p:nvPicPr>
           <p:cNvPr id="4" name="Picture 3">
@@ -4614,6 +4589,13 @@
 </file>
 
 <file path=customXml/item1.xml><?xml version="1.0" encoding="utf-8"?>
+<Application xmlns="http://www.sap.com/cof/powerpoint/application">
+  <Version>2</Version>
+  <Revision>2.6.101.79403</Revision>
+</Application>
+</file>
+
+<file path=customXml/item2.xml><?xml version="1.0" encoding="utf-8"?>
 <Application xmlns="http://www.sap.com/cof/ao/powerpoint/application">
   <com.sap.ip.bi.pioneer>
     <Version>4</Version>
@@ -4631,25 +4613,18 @@
 </Application>
 </file>
 
-<file path=customXml/item2.xml><?xml version="1.0" encoding="utf-8"?>
-<Application xmlns="http://www.sap.com/cof/powerpoint/application">
-  <Version>2</Version>
-  <Revision>2.6.101.79403</Revision>
-</Application>
+<file path=customXml/itemProps1.xml><?xml version="1.0" encoding="utf-8"?>
+<ds:datastoreItem xmlns:ds="http://schemas.openxmlformats.org/officeDocument/2006/customXml" ds:itemID="{B554159A-D326-4D61-86E3-320EA5C64F51}">
+  <ds:schemaRefs>
+    <ds:schemaRef ds:uri="http://www.sap.com/cof/powerpoint/application"/>
+  </ds:schemaRefs>
+</ds:datastoreItem>
 </file>
 
-<file path=customXml/itemProps1.xml><?xml version="1.0" encoding="utf-8"?>
+<file path=customXml/itemProps2.xml><?xml version="1.0" encoding="utf-8"?>
 <ds:datastoreItem xmlns:ds="http://schemas.openxmlformats.org/officeDocument/2006/customXml" ds:itemID="{3D563475-AE3D-424F-B739-49BDF294C253}">
   <ds:schemaRefs>
     <ds:schemaRef ds:uri="http://www.sap.com/cof/ao/powerpoint/application"/>
   </ds:schemaRefs>
 </ds:datastoreItem>
-</file>
-
-<file path=customXml/itemProps2.xml><?xml version="1.0" encoding="utf-8"?>
-<ds:datastoreItem xmlns:ds="http://schemas.openxmlformats.org/officeDocument/2006/customXml" ds:itemID="{B554159A-D326-4D61-86E3-320EA5C64F51}">
-  <ds:schemaRefs>
-    <ds:schemaRef ds:uri="http://www.sap.com/cof/powerpoint/application"/>
-  </ds:schemaRefs>
-</ds:datastoreItem>
 </file>